--- a/powerpoint/01_基本事項.pptx
+++ b/powerpoint/01_基本事項.pptx
@@ -5,13 +5,15 @@
     <p:sldMasterId id="2147483696" r:id="rId1"/>
   </p:sldMasterIdLst>
   <p:notesMasterIdLst>
-    <p:notesMasterId r:id="rId6"/>
+    <p:notesMasterId r:id="rId8"/>
   </p:notesMasterIdLst>
   <p:sldIdLst>
     <p:sldId id="256" r:id="rId2"/>
     <p:sldId id="258" r:id="rId3"/>
     <p:sldId id="260" r:id="rId4"/>
     <p:sldId id="261" r:id="rId5"/>
+    <p:sldId id="262" r:id="rId6"/>
+    <p:sldId id="263" r:id="rId7"/>
   </p:sldIdLst>
   <p:sldSz cx="12192000" cy="6858000"/>
   <p:notesSz cx="6858000" cy="9144000"/>
@@ -200,7 +202,7 @@
           <a:p>
             <a:fld id="{7472AC8F-9E49-464C-9607-B43BB7648CA8}" type="datetimeFigureOut">
               <a:rPr lang="zh-TW" altLang="en-US" smtClean="0"/>
-              <a:t>2024/7/6</a:t>
+              <a:t>2024/7/9</a:t>
             </a:fld>
             <a:endParaRPr lang="zh-TW" altLang="en-US"/>
           </a:p>
@@ -5759,6 +5761,577 @@
     <p:extLst>
       <p:ext uri="{BB962C8B-B14F-4D97-AF65-F5344CB8AC3E}">
         <p14:creationId xmlns:p14="http://schemas.microsoft.com/office/powerpoint/2010/main" val="965241128"/>
+      </p:ext>
+    </p:extLst>
+  </p:cSld>
+  <p:clrMapOvr>
+    <a:masterClrMapping/>
+  </p:clrMapOvr>
+</p:sld>
+</file>
+
+<file path=ppt/slides/slide5.xml><?xml version="1.0" encoding="utf-8"?>
+<p:sld xmlns:a="http://schemas.openxmlformats.org/drawingml/2006/main" xmlns:r="http://schemas.openxmlformats.org/officeDocument/2006/relationships" xmlns:p="http://schemas.openxmlformats.org/presentationml/2006/main">
+  <p:cSld>
+    <p:spTree>
+      <p:nvGrpSpPr>
+        <p:cNvPr id="1" name=""/>
+        <p:cNvGrpSpPr/>
+        <p:nvPr/>
+      </p:nvGrpSpPr>
+      <p:grpSpPr>
+        <a:xfrm>
+          <a:off x="0" y="0"/>
+          <a:ext cx="0" cy="0"/>
+          <a:chOff x="0" y="0"/>
+          <a:chExt cx="0" cy="0"/>
+        </a:xfrm>
+      </p:grpSpPr>
+      <p:sp>
+        <p:nvSpPr>
+          <p:cNvPr id="2" name="標題 1">
+            <a:extLst>
+              <a:ext uri="{FF2B5EF4-FFF2-40B4-BE49-F238E27FC236}">
+                <a16:creationId xmlns:a16="http://schemas.microsoft.com/office/drawing/2014/main" id="{FEE9FFA3-0846-4AE9-9E9D-B2C2211B3FAE}"/>
+              </a:ext>
+            </a:extLst>
+          </p:cNvPr>
+          <p:cNvSpPr>
+            <a:spLocks noGrp="1"/>
+          </p:cNvSpPr>
+          <p:nvPr>
+            <p:ph type="title"/>
+          </p:nvPr>
+        </p:nvSpPr>
+        <p:spPr/>
+        <p:txBody>
+          <a:bodyPr/>
+          <a:lstStyle/>
+          <a:p>
+            <a:r>
+              <a:rPr lang="zh-TW" altLang="en-US"/>
+              <a:t>課程大綱</a:t>
+            </a:r>
+          </a:p>
+        </p:txBody>
+      </p:sp>
+      <p:sp>
+        <p:nvSpPr>
+          <p:cNvPr id="3" name="內容版面配置區 2">
+            <a:extLst>
+              <a:ext uri="{FF2B5EF4-FFF2-40B4-BE49-F238E27FC236}">
+                <a16:creationId xmlns:a16="http://schemas.microsoft.com/office/drawing/2014/main" id="{BB27BEFE-15C2-40CF-8256-1D6FDF6F91C0}"/>
+              </a:ext>
+            </a:extLst>
+          </p:cNvPr>
+          <p:cNvSpPr>
+            <a:spLocks noGrp="1"/>
+          </p:cNvSpPr>
+          <p:nvPr>
+            <p:ph idx="1"/>
+          </p:nvPr>
+        </p:nvSpPr>
+        <p:spPr/>
+        <p:txBody>
+          <a:bodyPr>
+            <a:normAutofit/>
+          </a:bodyPr>
+          <a:lstStyle/>
+          <a:p>
+            <a:r>
+              <a:rPr lang="zh-TW" altLang="en-US"/>
+              <a:t>上學期：</a:t>
+            </a:r>
+          </a:p>
+          <a:p>
+            <a:r>
+              <a:rPr lang="en-US" altLang="zh-TW"/>
+              <a:t>1.</a:t>
+            </a:r>
+            <a:r>
+              <a:rPr lang="zh-TW" altLang="en-US"/>
+              <a:t>相見歡 </a:t>
+            </a:r>
+            <a:r>
+              <a:rPr lang="en-US" altLang="zh-TW"/>
+              <a:t>+</a:t>
+            </a:r>
+            <a:r>
+              <a:rPr lang="zh-TW" altLang="en-US"/>
+              <a:t> 程式語言介紹 </a:t>
+            </a:r>
+            <a:r>
+              <a:rPr lang="en-US" altLang="zh-TW"/>
+              <a:t>+</a:t>
+            </a:r>
+            <a:r>
+              <a:rPr lang="zh-TW" altLang="en-US"/>
+              <a:t> 編輯器介紹</a:t>
+            </a:r>
+          </a:p>
+          <a:p>
+            <a:r>
+              <a:rPr lang="en-US" altLang="zh-TW"/>
+              <a:t>2.IntelliJ IDEA</a:t>
+            </a:r>
+            <a:r>
+              <a:rPr lang="zh-TW" altLang="en-US"/>
+              <a:t> </a:t>
+            </a:r>
+            <a:r>
+              <a:rPr lang="en-US" altLang="zh-TW"/>
+              <a:t>+</a:t>
+            </a:r>
+            <a:r>
+              <a:rPr lang="zh-TW" altLang="en-US"/>
+              <a:t> </a:t>
+            </a:r>
+            <a:r>
+              <a:rPr lang="en-US" altLang="zh-TW"/>
+              <a:t>Java:</a:t>
+            </a:r>
+            <a:r>
+              <a:rPr lang="zh-TW" altLang="en-US"/>
+              <a:t> 基本資料型態 </a:t>
+            </a:r>
+            <a:r>
+              <a:rPr lang="en-US" altLang="zh-TW"/>
+              <a:t>+</a:t>
+            </a:r>
+            <a:r>
+              <a:rPr lang="zh-TW" altLang="en-US"/>
+              <a:t> 基本輸入輸出</a:t>
+            </a:r>
+          </a:p>
+          <a:p>
+            <a:r>
+              <a:rPr lang="en-US" altLang="zh-TW"/>
+              <a:t>3.Java</a:t>
+            </a:r>
+            <a:r>
+              <a:rPr lang="zh-TW" altLang="en-US"/>
+              <a:t>：條件</a:t>
+            </a:r>
+            <a:r>
+              <a:rPr lang="en-US" altLang="zh-TW"/>
+              <a:t>+</a:t>
+            </a:r>
+            <a:r>
+              <a:rPr lang="zh-TW" altLang="en-US"/>
+              <a:t>迴圈</a:t>
+            </a:r>
+            <a:r>
+              <a:rPr lang="en-US" altLang="zh-TW"/>
+              <a:t>+</a:t>
+            </a:r>
+            <a:r>
+              <a:rPr lang="zh-TW" altLang="en-US"/>
+              <a:t>方法</a:t>
+            </a:r>
+          </a:p>
+          <a:p>
+            <a:r>
+              <a:rPr lang="en-US" altLang="zh-TW"/>
+              <a:t>4.OOP</a:t>
+            </a:r>
+            <a:r>
+              <a:rPr lang="zh-TW" altLang="en-US"/>
+              <a:t> 介紹 </a:t>
+            </a:r>
+            <a:r>
+              <a:rPr lang="en-US" altLang="zh-TW"/>
+              <a:t>+</a:t>
+            </a:r>
+            <a:r>
+              <a:rPr lang="zh-TW" altLang="en-US"/>
+              <a:t> </a:t>
+            </a:r>
+            <a:r>
+              <a:rPr lang="en-US" altLang="zh-TW"/>
+              <a:t>Java</a:t>
+            </a:r>
+            <a:r>
+              <a:rPr lang="zh-TW" altLang="en-US"/>
+              <a:t> </a:t>
+            </a:r>
+            <a:r>
+              <a:rPr lang="en-US" altLang="zh-TW"/>
+              <a:t>:</a:t>
+            </a:r>
+            <a:r>
+              <a:rPr lang="zh-TW" altLang="en-US"/>
+              <a:t> </a:t>
+            </a:r>
+            <a:r>
+              <a:rPr lang="en-US" altLang="zh-TW"/>
+              <a:t>Class</a:t>
+            </a:r>
+          </a:p>
+          <a:p>
+            <a:r>
+              <a:rPr lang="en-US" altLang="zh-TW"/>
+              <a:t>5.Java:Interface+Collection</a:t>
+            </a:r>
+          </a:p>
+          <a:p>
+            <a:r>
+              <a:rPr lang="en-US" altLang="zh-TW"/>
+              <a:t>6.Git</a:t>
+            </a:r>
+            <a:r>
+              <a:rPr lang="zh-TW" altLang="en-US"/>
+              <a:t> </a:t>
+            </a:r>
+            <a:r>
+              <a:rPr lang="en-US" altLang="zh-TW"/>
+              <a:t>+</a:t>
+            </a:r>
+            <a:r>
+              <a:rPr lang="zh-TW" altLang="en-US"/>
+              <a:t> </a:t>
+            </a:r>
+            <a:r>
+              <a:rPr lang="en-US" altLang="zh-TW"/>
+              <a:t>Github</a:t>
+            </a:r>
+            <a:r>
+              <a:rPr lang="zh-TW" altLang="en-US"/>
+              <a:t> </a:t>
+            </a:r>
+            <a:r>
+              <a:rPr lang="en-US" altLang="zh-TW"/>
+              <a:t>+</a:t>
+            </a:r>
+            <a:r>
+              <a:rPr lang="zh-TW" altLang="en-US"/>
+              <a:t> </a:t>
+            </a:r>
+            <a:r>
+              <a:rPr lang="en-US" altLang="zh-TW"/>
+              <a:t>Java:</a:t>
+            </a:r>
+            <a:r>
+              <a:rPr lang="zh-TW" altLang="en-US"/>
+              <a:t> </a:t>
+            </a:r>
+            <a:r>
+              <a:rPr lang="en-US" altLang="zh-TW"/>
+              <a:t>package</a:t>
+            </a:r>
+          </a:p>
+          <a:p>
+            <a:r>
+              <a:rPr lang="en-US" altLang="zh-TW"/>
+              <a:t>7.Java</a:t>
+            </a:r>
+            <a:r>
+              <a:rPr lang="zh-TW" altLang="en-US"/>
+              <a:t>：</a:t>
+            </a:r>
+            <a:r>
+              <a:rPr lang="en-US" altLang="zh-TW"/>
+              <a:t>try-catch</a:t>
+            </a:r>
+            <a:r>
+              <a:rPr lang="zh-TW" altLang="en-US"/>
+              <a:t> </a:t>
+            </a:r>
+            <a:r>
+              <a:rPr lang="en-US" altLang="zh-TW"/>
+              <a:t>+</a:t>
+            </a:r>
+            <a:r>
+              <a:rPr lang="zh-TW" altLang="en-US"/>
+              <a:t> </a:t>
+            </a:r>
+            <a:r>
+              <a:rPr lang="en-US" altLang="zh-TW"/>
+              <a:t>Exception</a:t>
+            </a:r>
+            <a:r>
+              <a:rPr lang="zh-TW" altLang="en-US"/>
+              <a:t> </a:t>
+            </a:r>
+            <a:r>
+              <a:rPr lang="en-US" altLang="zh-TW"/>
+              <a:t>+</a:t>
+            </a:r>
+            <a:r>
+              <a:rPr lang="zh-TW" altLang="en-US"/>
+              <a:t> </a:t>
+            </a:r>
+            <a:r>
+              <a:rPr lang="en-US" altLang="zh-TW"/>
+              <a:t>Kahoot</a:t>
+            </a:r>
+            <a:r>
+              <a:rPr lang="zh-TW" altLang="en-US"/>
+              <a:t> 大賽</a:t>
+            </a:r>
+            <a:endParaRPr lang="en-US" altLang="zh-TW"/>
+          </a:p>
+        </p:txBody>
+      </p:sp>
+    </p:spTree>
+    <p:extLst>
+      <p:ext uri="{BB962C8B-B14F-4D97-AF65-F5344CB8AC3E}">
+        <p14:creationId xmlns:p14="http://schemas.microsoft.com/office/powerpoint/2010/main" val="3858053256"/>
+      </p:ext>
+    </p:extLst>
+  </p:cSld>
+  <p:clrMapOvr>
+    <a:masterClrMapping/>
+  </p:clrMapOvr>
+</p:sld>
+</file>
+
+<file path=ppt/slides/slide6.xml><?xml version="1.0" encoding="utf-8"?>
+<p:sld xmlns:a="http://schemas.openxmlformats.org/drawingml/2006/main" xmlns:r="http://schemas.openxmlformats.org/officeDocument/2006/relationships" xmlns:p="http://schemas.openxmlformats.org/presentationml/2006/main">
+  <p:cSld>
+    <p:spTree>
+      <p:nvGrpSpPr>
+        <p:cNvPr id="1" name=""/>
+        <p:cNvGrpSpPr/>
+        <p:nvPr/>
+      </p:nvGrpSpPr>
+      <p:grpSpPr>
+        <a:xfrm>
+          <a:off x="0" y="0"/>
+          <a:ext cx="0" cy="0"/>
+          <a:chOff x="0" y="0"/>
+          <a:chExt cx="0" cy="0"/>
+        </a:xfrm>
+      </p:grpSpPr>
+      <p:sp>
+        <p:nvSpPr>
+          <p:cNvPr id="2" name="標題 1">
+            <a:extLst>
+              <a:ext uri="{FF2B5EF4-FFF2-40B4-BE49-F238E27FC236}">
+                <a16:creationId xmlns:a16="http://schemas.microsoft.com/office/drawing/2014/main" id="{CE0BBA8A-BC3B-4CD8-A3F7-9B1C2842A5AF}"/>
+              </a:ext>
+            </a:extLst>
+          </p:cNvPr>
+          <p:cNvSpPr>
+            <a:spLocks noGrp="1"/>
+          </p:cNvSpPr>
+          <p:nvPr>
+            <p:ph type="title"/>
+          </p:nvPr>
+        </p:nvSpPr>
+        <p:spPr/>
+        <p:txBody>
+          <a:bodyPr/>
+          <a:lstStyle/>
+          <a:p>
+            <a:r>
+              <a:rPr lang="zh-TW" altLang="en-US"/>
+              <a:t>課程大綱</a:t>
+            </a:r>
+          </a:p>
+        </p:txBody>
+      </p:sp>
+      <p:sp>
+        <p:nvSpPr>
+          <p:cNvPr id="3" name="內容版面配置區 2">
+            <a:extLst>
+              <a:ext uri="{FF2B5EF4-FFF2-40B4-BE49-F238E27FC236}">
+                <a16:creationId xmlns:a16="http://schemas.microsoft.com/office/drawing/2014/main" id="{E0988E28-A6B0-47FC-8560-CBE8AB0E841A}"/>
+              </a:ext>
+            </a:extLst>
+          </p:cNvPr>
+          <p:cNvSpPr>
+            <a:spLocks noGrp="1"/>
+          </p:cNvSpPr>
+          <p:nvPr>
+            <p:ph idx="1"/>
+          </p:nvPr>
+        </p:nvSpPr>
+        <p:spPr/>
+        <p:txBody>
+          <a:bodyPr/>
+          <a:lstStyle/>
+          <a:p>
+            <a:r>
+              <a:rPr lang="zh-TW" altLang="en-US"/>
+              <a:t>下學期：</a:t>
+            </a:r>
+          </a:p>
+          <a:p>
+            <a:r>
+              <a:rPr lang="en-US" altLang="zh-TW"/>
+              <a:t>1.JRE</a:t>
+            </a:r>
+            <a:r>
+              <a:rPr lang="zh-TW" altLang="en-US"/>
+              <a:t> </a:t>
+            </a:r>
+            <a:r>
+              <a:rPr lang="en-US" altLang="zh-TW"/>
+              <a:t>/</a:t>
+            </a:r>
+            <a:r>
+              <a:rPr lang="zh-TW" altLang="en-US"/>
+              <a:t> </a:t>
+            </a:r>
+            <a:r>
+              <a:rPr lang="en-US" altLang="zh-TW"/>
+              <a:t>JDK</a:t>
+            </a:r>
+            <a:r>
+              <a:rPr lang="zh-TW" altLang="en-US"/>
+              <a:t> </a:t>
+            </a:r>
+            <a:r>
+              <a:rPr lang="en-US" altLang="zh-TW"/>
+              <a:t>+</a:t>
+            </a:r>
+            <a:r>
+              <a:rPr lang="zh-TW" altLang="en-US"/>
+              <a:t> </a:t>
+            </a:r>
+            <a:r>
+              <a:rPr lang="en-US" altLang="zh-TW"/>
+              <a:t>Java</a:t>
+            </a:r>
+            <a:r>
+              <a:rPr lang="zh-TW" altLang="en-US"/>
+              <a:t> 虛擬機介紹</a:t>
+            </a:r>
+          </a:p>
+          <a:p>
+            <a:r>
+              <a:rPr lang="en-US" altLang="zh-TW"/>
+              <a:t>2.</a:t>
+            </a:r>
+            <a:r>
+              <a:rPr lang="zh-TW" altLang="en-US"/>
+              <a:t>電腦結構 </a:t>
+            </a:r>
+            <a:r>
+              <a:rPr lang="en-US" altLang="zh-TW"/>
+              <a:t>+</a:t>
+            </a:r>
+            <a:r>
+              <a:rPr lang="zh-TW" altLang="en-US"/>
+              <a:t> </a:t>
+            </a:r>
+            <a:r>
+              <a:rPr lang="en-US" altLang="zh-TW"/>
+              <a:t>Java:</a:t>
+            </a:r>
+            <a:r>
+              <a:rPr lang="zh-TW" altLang="en-US"/>
+              <a:t> </a:t>
+            </a:r>
+            <a:r>
+              <a:rPr lang="en-US" altLang="zh-TW"/>
+              <a:t>Reference</a:t>
+            </a:r>
+          </a:p>
+          <a:p>
+            <a:r>
+              <a:rPr lang="en-US" altLang="zh-TW"/>
+              <a:t>3.Java:</a:t>
+            </a:r>
+            <a:r>
+              <a:rPr lang="zh-TW" altLang="en-US"/>
+              <a:t> </a:t>
+            </a:r>
+            <a:r>
+              <a:rPr lang="en-US" altLang="zh-TW"/>
+              <a:t>Lambda</a:t>
+            </a:r>
+            <a:r>
+              <a:rPr lang="zh-TW" altLang="en-US"/>
+              <a:t> </a:t>
+            </a:r>
+            <a:r>
+              <a:rPr lang="en-US" altLang="zh-TW"/>
+              <a:t>+</a:t>
+            </a:r>
+            <a:r>
+              <a:rPr lang="zh-TW" altLang="en-US"/>
+              <a:t> 串流</a:t>
+            </a:r>
+          </a:p>
+          <a:p>
+            <a:r>
+              <a:rPr lang="en-US" altLang="zh-TW"/>
+              <a:t>4.Java:</a:t>
+            </a:r>
+            <a:r>
+              <a:rPr lang="zh-TW" altLang="en-US"/>
+              <a:t> </a:t>
+            </a:r>
+            <a:r>
+              <a:rPr lang="en-US" altLang="zh-TW"/>
+              <a:t>Maven</a:t>
+            </a:r>
+            <a:r>
+              <a:rPr lang="zh-TW" altLang="en-US"/>
+              <a:t> </a:t>
+            </a:r>
+            <a:r>
+              <a:rPr lang="en-US" altLang="zh-TW"/>
+              <a:t>+</a:t>
+            </a:r>
+            <a:r>
+              <a:rPr lang="zh-TW" altLang="en-US"/>
+              <a:t> </a:t>
+            </a:r>
+            <a:r>
+              <a:rPr lang="en-US" altLang="zh-TW"/>
+              <a:t>Java</a:t>
+            </a:r>
+            <a:r>
+              <a:rPr lang="zh-TW" altLang="en-US"/>
+              <a:t> 專案前置作業</a:t>
+            </a:r>
+          </a:p>
+          <a:p>
+            <a:r>
+              <a:rPr lang="en-US" altLang="zh-TW"/>
+              <a:t>5.Java</a:t>
+            </a:r>
+            <a:r>
+              <a:rPr lang="zh-TW" altLang="en-US"/>
+              <a:t> 專案製作</a:t>
+            </a:r>
+            <a:r>
+              <a:rPr lang="en-US" altLang="zh-TW"/>
+              <a:t>(1)</a:t>
+            </a:r>
+          </a:p>
+          <a:p>
+            <a:r>
+              <a:rPr lang="en-US" altLang="zh-TW"/>
+              <a:t>6.Java</a:t>
+            </a:r>
+            <a:r>
+              <a:rPr lang="zh-TW" altLang="en-US"/>
+              <a:t> 專案製作</a:t>
+            </a:r>
+            <a:r>
+              <a:rPr lang="en-US" altLang="zh-TW"/>
+              <a:t>(2)</a:t>
+            </a:r>
+          </a:p>
+          <a:p>
+            <a:r>
+              <a:rPr lang="en-US" altLang="zh-TW"/>
+              <a:t>7.Java</a:t>
+            </a:r>
+            <a:r>
+              <a:rPr lang="zh-TW" altLang="en-US"/>
+              <a:t> 專案發表</a:t>
+            </a:r>
+          </a:p>
+        </p:txBody>
+      </p:sp>
+    </p:spTree>
+    <p:extLst>
+      <p:ext uri="{BB962C8B-B14F-4D97-AF65-F5344CB8AC3E}">
+        <p14:creationId xmlns:p14="http://schemas.microsoft.com/office/powerpoint/2010/main" val="3649763965"/>
       </p:ext>
     </p:extLst>
   </p:cSld>

--- a/powerpoint/01_基本事項.pptx
+++ b/powerpoint/01_基本事項.pptx
@@ -202,7 +202,7 @@
           <a:p>
             <a:fld id="{7472AC8F-9E49-464C-9607-B43BB7648CA8}" type="datetimeFigureOut">
               <a:rPr lang="zh-TW" altLang="en-US" smtClean="0"/>
-              <a:t>2024/7/9</a:t>
+              <a:t>2024/7/10</a:t>
             </a:fld>
             <a:endParaRPr lang="zh-TW" altLang="en-US"/>
           </a:p>
@@ -5844,10 +5844,10 @@
             </a:r>
           </a:p>
           <a:p>
-            <a:r>
-              <a:rPr lang="en-US" altLang="zh-TW"/>
-              <a:t>1.</a:t>
-            </a:r>
+            <a:pPr marL="514350" indent="-514350">
+              <a:buFont typeface="+mj-lt"/>
+              <a:buAutoNum type="arabicPeriod"/>
+            </a:pPr>
             <a:r>
               <a:rPr lang="zh-TW" altLang="en-US"/>
               <a:t>相見歡 </a:t>
@@ -5870,13 +5870,17 @@
             </a:r>
           </a:p>
           <a:p>
+            <a:pPr marL="514350" indent="-514350">
+              <a:buFont typeface="+mj-lt"/>
+              <a:buAutoNum type="arabicPeriod"/>
+            </a:pPr>
             <a:r>
               <a:rPr lang="en-US" altLang="zh-TW"/>
-              <a:t>2.IntelliJ IDEA</a:t>
-            </a:r>
-            <a:r>
-              <a:rPr lang="zh-TW" altLang="en-US"/>
-              <a:t> </a:t>
+              <a:t>Java:</a:t>
+            </a:r>
+            <a:r>
+              <a:rPr lang="zh-TW" altLang="en-US"/>
+              <a:t> 基本資料型態 </a:t>
             </a:r>
             <a:r>
               <a:rPr lang="en-US" altLang="zh-TW"/>
@@ -5884,15 +5888,26 @@
             </a:r>
             <a:r>
               <a:rPr lang="zh-TW" altLang="en-US"/>
-              <a:t> </a:t>
-            </a:r>
+              <a:t> 基本輸入輸出 </a:t>
+            </a:r>
+            <a:r>
+              <a:rPr lang="en-US" altLang="zh-TW"/>
+              <a:t>+ IntelliJ IDEA</a:t>
+            </a:r>
+            <a:endParaRPr lang="zh-TW" altLang="en-US"/>
+          </a:p>
+          <a:p>
+            <a:pPr marL="514350" indent="-514350">
+              <a:buFont typeface="+mj-lt"/>
+              <a:buAutoNum type="arabicPeriod"/>
+            </a:pPr>
             <a:r>
               <a:rPr lang="en-US" altLang="zh-TW"/>
               <a:t>Java:</a:t>
             </a:r>
             <a:r>
               <a:rPr lang="zh-TW" altLang="en-US"/>
-              <a:t> 基本資料型態 </a:t>
+              <a:t> 條件 </a:t>
             </a:r>
             <a:r>
               <a:rPr lang="en-US" altLang="zh-TW"/>
@@ -5900,17 +5915,7 @@
             </a:r>
             <a:r>
               <a:rPr lang="zh-TW" altLang="en-US"/>
-              <a:t> 基本輸入輸出</a:t>
-            </a:r>
-          </a:p>
-          <a:p>
-            <a:r>
-              <a:rPr lang="en-US" altLang="zh-TW"/>
-              <a:t>3.Java</a:t>
-            </a:r>
-            <a:r>
-              <a:rPr lang="zh-TW" altLang="en-US"/>
-              <a:t>：條件</a:t>
+              <a:t> 迴圈 </a:t>
             </a:r>
             <a:r>
               <a:rPr lang="en-US" altLang="zh-TW"/>
@@ -5918,7 +5923,21 @@
             </a:r>
             <a:r>
               <a:rPr lang="zh-TW" altLang="en-US"/>
-              <a:t>迴圈</a:t>
+              <a:t> 方法</a:t>
+            </a:r>
+          </a:p>
+          <a:p>
+            <a:pPr marL="514350" indent="-514350">
+              <a:buFont typeface="+mj-lt"/>
+              <a:buAutoNum type="arabicPeriod"/>
+            </a:pPr>
+            <a:r>
+              <a:rPr lang="en-US" altLang="zh-TW"/>
+              <a:t>OOP</a:t>
+            </a:r>
+            <a:r>
+              <a:rPr lang="zh-TW" altLang="en-US"/>
+              <a:t> 介紹 </a:t>
             </a:r>
             <a:r>
               <a:rPr lang="en-US" altLang="zh-TW"/>
@@ -5926,17 +5945,41 @@
             </a:r>
             <a:r>
               <a:rPr lang="zh-TW" altLang="en-US"/>
-              <a:t>方法</a:t>
-            </a:r>
-          </a:p>
-          <a:p>
+              <a:t> </a:t>
+            </a:r>
             <a:r>
               <a:rPr lang="en-US" altLang="zh-TW"/>
-              <a:t>4.OOP</a:t>
-            </a:r>
-            <a:r>
-              <a:rPr lang="zh-TW" altLang="en-US"/>
-              <a:t> 介紹 </a:t>
+              <a:t>Java:</a:t>
+            </a:r>
+            <a:r>
+              <a:rPr lang="zh-TW" altLang="en-US"/>
+              <a:t> </a:t>
+            </a:r>
+            <a:r>
+              <a:rPr lang="en-US" altLang="zh-TW"/>
+              <a:t>Class</a:t>
+            </a:r>
+          </a:p>
+          <a:p>
+            <a:pPr marL="514350" indent="-514350">
+              <a:buFont typeface="+mj-lt"/>
+              <a:buAutoNum type="arabicPeriod"/>
+            </a:pPr>
+            <a:r>
+              <a:rPr lang="en-US" altLang="zh-TW"/>
+              <a:t>Java:</a:t>
+            </a:r>
+            <a:r>
+              <a:rPr lang="zh-TW" altLang="en-US"/>
+              <a:t> </a:t>
+            </a:r>
+            <a:r>
+              <a:rPr lang="en-US" altLang="zh-TW"/>
+              <a:t>Interface</a:t>
+            </a:r>
+            <a:r>
+              <a:rPr lang="zh-TW" altLang="en-US"/>
+              <a:t> </a:t>
             </a:r>
             <a:r>
               <a:rPr lang="en-US" altLang="zh-TW"/>
@@ -5948,35 +5991,17 @@
             </a:r>
             <a:r>
               <a:rPr lang="en-US" altLang="zh-TW"/>
-              <a:t>Java</a:t>
-            </a:r>
-            <a:r>
-              <a:rPr lang="zh-TW" altLang="en-US"/>
-              <a:t> </a:t>
-            </a:r>
+              <a:t>Collection</a:t>
+            </a:r>
+          </a:p>
+          <a:p>
+            <a:pPr marL="514350" indent="-514350">
+              <a:buFont typeface="+mj-lt"/>
+              <a:buAutoNum type="arabicPeriod"/>
+            </a:pPr>
             <a:r>
               <a:rPr lang="en-US" altLang="zh-TW"/>
-              <a:t>:</a:t>
-            </a:r>
-            <a:r>
-              <a:rPr lang="zh-TW" altLang="en-US"/>
-              <a:t> </a:t>
-            </a:r>
-            <a:r>
-              <a:rPr lang="en-US" altLang="zh-TW"/>
-              <a:t>Class</a:t>
-            </a:r>
-          </a:p>
-          <a:p>
-            <a:r>
-              <a:rPr lang="en-US" altLang="zh-TW"/>
-              <a:t>5.Java:Interface+Collection</a:t>
-            </a:r>
-          </a:p>
-          <a:p>
-            <a:r>
-              <a:rPr lang="en-US" altLang="zh-TW"/>
-              <a:t>6.Git</a:t>
+              <a:t>Git</a:t>
             </a:r>
             <a:r>
               <a:rPr lang="zh-TW" altLang="en-US"/>
@@ -6020,13 +6045,17 @@
             </a:r>
           </a:p>
           <a:p>
+            <a:pPr marL="514350" indent="-514350">
+              <a:buFont typeface="+mj-lt"/>
+              <a:buAutoNum type="arabicPeriod"/>
+            </a:pPr>
             <a:r>
               <a:rPr lang="en-US" altLang="zh-TW"/>
-              <a:t>7.Java</a:t>
-            </a:r>
-            <a:r>
-              <a:rPr lang="zh-TW" altLang="en-US"/>
-              <a:t>：</a:t>
+              <a:t>Java:</a:t>
+            </a:r>
+            <a:r>
+              <a:rPr lang="zh-TW" altLang="en-US"/>
+              <a:t> </a:t>
             </a:r>
             <a:r>
               <a:rPr lang="en-US" altLang="zh-TW"/>
@@ -6148,7 +6177,9 @@
         </p:nvSpPr>
         <p:spPr/>
         <p:txBody>
-          <a:bodyPr/>
+          <a:bodyPr>
+            <a:normAutofit/>
+          </a:bodyPr>
           <a:lstStyle/>
           <a:p>
             <a:r>
@@ -6157,9 +6188,13 @@
             </a:r>
           </a:p>
           <a:p>
+            <a:pPr marL="514350" indent="-514350">
+              <a:buFont typeface="+mj-lt"/>
+              <a:buAutoNum type="arabicPeriod"/>
+            </a:pPr>
             <a:r>
               <a:rPr lang="en-US" altLang="zh-TW"/>
-              <a:t>1.JRE</a:t>
+              <a:t>JRE</a:t>
             </a:r>
             <a:r>
               <a:rPr lang="zh-TW" altLang="en-US"/>
@@ -6199,10 +6234,10 @@
             </a:r>
           </a:p>
           <a:p>
-            <a:r>
-              <a:rPr lang="en-US" altLang="zh-TW"/>
-              <a:t>2.</a:t>
-            </a:r>
+            <a:pPr marL="514350" indent="-514350">
+              <a:buFont typeface="+mj-lt"/>
+              <a:buAutoNum type="arabicPeriod"/>
+            </a:pPr>
             <a:r>
               <a:rPr lang="zh-TW" altLang="en-US"/>
               <a:t>電腦結構 </a:t>
@@ -6229,9 +6264,13 @@
             </a:r>
           </a:p>
           <a:p>
+            <a:pPr marL="514350" indent="-514350">
+              <a:buFont typeface="+mj-lt"/>
+              <a:buAutoNum type="arabicPeriod"/>
+            </a:pPr>
             <a:r>
               <a:rPr lang="en-US" altLang="zh-TW"/>
-              <a:t>3.Java:</a:t>
+              <a:t>Java:</a:t>
             </a:r>
             <a:r>
               <a:rPr lang="zh-TW" altLang="en-US"/>
@@ -6255,9 +6294,13 @@
             </a:r>
           </a:p>
           <a:p>
+            <a:pPr marL="514350" indent="-514350">
+              <a:buFont typeface="+mj-lt"/>
+              <a:buAutoNum type="arabicPeriod"/>
+            </a:pPr>
             <a:r>
               <a:rPr lang="en-US" altLang="zh-TW"/>
-              <a:t>4.Java:</a:t>
+              <a:t>Java:</a:t>
             </a:r>
             <a:r>
               <a:rPr lang="zh-TW" altLang="en-US"/>
@@ -6289,9 +6332,13 @@
             </a:r>
           </a:p>
           <a:p>
+            <a:pPr marL="514350" indent="-514350">
+              <a:buFont typeface="+mj-lt"/>
+              <a:buAutoNum type="arabicPeriod"/>
+            </a:pPr>
             <a:r>
               <a:rPr lang="en-US" altLang="zh-TW"/>
-              <a:t>5.Java</a:t>
+              <a:t>Java</a:t>
             </a:r>
             <a:r>
               <a:rPr lang="zh-TW" altLang="en-US"/>
@@ -6303,9 +6350,13 @@
             </a:r>
           </a:p>
           <a:p>
+            <a:pPr marL="514350" indent="-514350">
+              <a:buFont typeface="+mj-lt"/>
+              <a:buAutoNum type="arabicPeriod"/>
+            </a:pPr>
             <a:r>
               <a:rPr lang="en-US" altLang="zh-TW"/>
-              <a:t>6.Java</a:t>
+              <a:t>Java</a:t>
             </a:r>
             <a:r>
               <a:rPr lang="zh-TW" altLang="en-US"/>
@@ -6317,14 +6368,19 @@
             </a:r>
           </a:p>
           <a:p>
+            <a:pPr marL="514350" indent="-514350">
+              <a:buFont typeface="+mj-lt"/>
+              <a:buAutoNum type="arabicPeriod"/>
+            </a:pPr>
             <a:r>
               <a:rPr lang="en-US" altLang="zh-TW"/>
-              <a:t>7.Java</a:t>
+              <a:t>Java</a:t>
             </a:r>
             <a:r>
               <a:rPr lang="zh-TW" altLang="en-US"/>
               <a:t> 專案發表</a:t>
             </a:r>
+            <a:endParaRPr lang="en-US" altLang="zh-TW"/>
           </a:p>
         </p:txBody>
       </p:sp>

--- a/powerpoint/01_基本事項.pptx
+++ b/powerpoint/01_基本事項.pptx
@@ -202,7 +202,7 @@
           <a:p>
             <a:fld id="{7472AC8F-9E49-464C-9607-B43BB7648CA8}" type="datetimeFigureOut">
               <a:rPr lang="zh-TW" altLang="en-US" smtClean="0"/>
-              <a:t>2024/7/10</a:t>
+              <a:t>2024/7/15</a:t>
             </a:fld>
             <a:endParaRPr lang="zh-TW" altLang="en-US"/>
           </a:p>
@@ -5666,7 +5666,7 @@
           <a:p>
             <a:r>
               <a:rPr lang="zh-TW" altLang="en-US" sz="3200"/>
-              <a:t>指導老師：吳佳憲 老師</a:t>
+              <a:t>指導老師：陳韋叡 組長</a:t>
             </a:r>
           </a:p>
         </p:txBody>

--- a/powerpoint/01_基本事項.pptx
+++ b/powerpoint/01_基本事項.pptx
@@ -202,7 +202,7 @@
           <a:p>
             <a:fld id="{7472AC8F-9E49-464C-9607-B43BB7648CA8}" type="datetimeFigureOut">
               <a:rPr lang="zh-TW" altLang="en-US" smtClean="0"/>
-              <a:t>2024/7/15</a:t>
+              <a:t>2024/7/18</a:t>
             </a:fld>
             <a:endParaRPr lang="zh-TW" altLang="en-US"/>
           </a:p>
@@ -5656,7 +5656,7 @@
           <a:p>
             <a:r>
               <a:rPr lang="zh-TW" altLang="en-US" sz="3200"/>
-              <a:t>活動：李延恩</a:t>
+              <a:t>活動：李廷恩</a:t>
             </a:r>
             <a:endParaRPr lang="en-US" altLang="zh-TW" sz="3200"/>
           </a:p>

--- a/powerpoint/01_基本事項.pptx
+++ b/powerpoint/01_基本事項.pptx
@@ -202,7 +202,7 @@
           <a:p>
             <a:fld id="{7472AC8F-9E49-464C-9607-B43BB7648CA8}" type="datetimeFigureOut">
               <a:rPr lang="zh-TW" altLang="en-US" smtClean="0"/>
-              <a:t>2024/7/18</a:t>
+              <a:t>2024/7/20</a:t>
             </a:fld>
             <a:endParaRPr lang="zh-TW" altLang="en-US"/>
           </a:p>
@@ -6342,7 +6342,7 @@
             </a:r>
             <a:r>
               <a:rPr lang="zh-TW" altLang="en-US"/>
-              <a:t> 專案製作</a:t>
+              <a:t> 專案製作 </a:t>
             </a:r>
             <a:r>
               <a:rPr lang="en-US" altLang="zh-TW"/>
@@ -6360,7 +6360,7 @@
             </a:r>
             <a:r>
               <a:rPr lang="zh-TW" altLang="en-US"/>
-              <a:t> 專案製作</a:t>
+              <a:t> 專案製作 </a:t>
             </a:r>
             <a:r>
               <a:rPr lang="en-US" altLang="zh-TW"/>

--- a/powerpoint/01_基本事項.pptx
+++ b/powerpoint/01_基本事項.pptx
@@ -202,7 +202,7 @@
           <a:p>
             <a:fld id="{7472AC8F-9E49-464C-9607-B43BB7648CA8}" type="datetimeFigureOut">
               <a:rPr lang="zh-TW" altLang="en-US" smtClean="0"/>
-              <a:t>2024/7/20</a:t>
+              <a:t>2024/8/8</a:t>
             </a:fld>
             <a:endParaRPr lang="zh-TW" altLang="en-US"/>
           </a:p>
@@ -5666,7 +5666,7 @@
           <a:p>
             <a:r>
               <a:rPr lang="zh-TW" altLang="en-US" sz="3200"/>
-              <a:t>指導老師：陳韋叡 組長</a:t>
+              <a:t>指導老師：楊老師椀婷</a:t>
             </a:r>
           </a:p>
         </p:txBody>
@@ -5880,15 +5880,7 @@
             </a:r>
             <a:r>
               <a:rPr lang="zh-TW" altLang="en-US"/>
-              <a:t> 基本資料型態 </a:t>
-            </a:r>
-            <a:r>
-              <a:rPr lang="en-US" altLang="zh-TW"/>
-              <a:t>+</a:t>
-            </a:r>
-            <a:r>
-              <a:rPr lang="zh-TW" altLang="en-US"/>
-              <a:t> 基本輸入輸出 </a:t>
+              <a:t> 基礎語法 </a:t>
             </a:r>
             <a:r>
               <a:rPr lang="en-US" altLang="zh-TW"/>
@@ -5907,7 +5899,7 @@
             </a:r>
             <a:r>
               <a:rPr lang="zh-TW" altLang="en-US"/>
-              <a:t> 條件 </a:t>
+              <a:t> 流程控制 </a:t>
             </a:r>
             <a:r>
               <a:rPr lang="en-US" altLang="zh-TW"/>
@@ -5915,15 +5907,15 @@
             </a:r>
             <a:r>
               <a:rPr lang="zh-TW" altLang="en-US"/>
-              <a:t> 迴圈 </a:t>
+              <a:t> 方法 </a:t>
             </a:r>
             <a:r>
               <a:rPr lang="en-US" altLang="zh-TW"/>
-              <a:t>+</a:t>
-            </a:r>
-            <a:r>
-              <a:rPr lang="zh-TW" altLang="en-US"/>
-              <a:t> 方法</a:t>
+              <a:t>+ </a:t>
+            </a:r>
+            <a:r>
+              <a:rPr lang="zh-TW" altLang="en-US"/>
+              <a:t>成員</a:t>
             </a:r>
           </a:p>
           <a:p>
@@ -5993,6 +5985,19 @@
               <a:rPr lang="en-US" altLang="zh-TW"/>
               <a:t>Collection</a:t>
             </a:r>
+            <a:r>
+              <a:rPr lang="zh-TW" altLang="en-US"/>
+              <a:t> </a:t>
+            </a:r>
+            <a:r>
+              <a:rPr lang="en-US" altLang="zh-TW"/>
+              <a:t>+</a:t>
+            </a:r>
+            <a:r>
+              <a:rPr lang="zh-TW" altLang="en-US"/>
+              <a:t> 實用類別</a:t>
+            </a:r>
+            <a:endParaRPr lang="en-US" altLang="zh-TW"/>
           </a:p>
           <a:p>
             <a:pPr marL="514350" indent="-514350">
@@ -6240,28 +6245,9 @@
             </a:pPr>
             <a:r>
               <a:rPr lang="zh-TW" altLang="en-US"/>
-              <a:t>電腦結構 </a:t>
-            </a:r>
-            <a:r>
-              <a:rPr lang="en-US" altLang="zh-TW"/>
-              <a:t>+</a:t>
-            </a:r>
-            <a:r>
-              <a:rPr lang="zh-TW" altLang="en-US"/>
-              <a:t> </a:t>
-            </a:r>
-            <a:r>
-              <a:rPr lang="en-US" altLang="zh-TW"/>
-              <a:t>Java:</a:t>
-            </a:r>
-            <a:r>
-              <a:rPr lang="zh-TW" altLang="en-US"/>
-              <a:t> </a:t>
-            </a:r>
-            <a:r>
-              <a:rPr lang="en-US" altLang="zh-TW"/>
-              <a:t>Reference</a:t>
-            </a:r>
+              <a:t>電腦結構</a:t>
+            </a:r>
+            <a:endParaRPr lang="en-US" altLang="zh-TW"/>
           </a:p>
           <a:p>
             <a:pPr marL="514350" indent="-514350">

--- a/powerpoint/01_基本事項.pptx
+++ b/powerpoint/01_基本事項.pptx
@@ -202,7 +202,7 @@
           <a:p>
             <a:fld id="{7472AC8F-9E49-464C-9607-B43BB7648CA8}" type="datetimeFigureOut">
               <a:rPr lang="zh-TW" altLang="en-US" smtClean="0"/>
-              <a:t>2024/8/8</a:t>
+              <a:t>2024/8/13</a:t>
             </a:fld>
             <a:endParaRPr lang="zh-TW" altLang="en-US"/>
           </a:p>
@@ -5907,15 +5907,7 @@
             </a:r>
             <a:r>
               <a:rPr lang="zh-TW" altLang="en-US"/>
-              <a:t> 方法 </a:t>
-            </a:r>
-            <a:r>
-              <a:rPr lang="en-US" altLang="zh-TW"/>
-              <a:t>+ </a:t>
-            </a:r>
-            <a:r>
-              <a:rPr lang="zh-TW" altLang="en-US"/>
-              <a:t>成員</a:t>
+              <a:t> 靜態成員</a:t>
             </a:r>
           </a:p>
           <a:p>
@@ -5924,12 +5916,8 @@
               <a:buAutoNum type="arabicPeriod"/>
             </a:pPr>
             <a:r>
-              <a:rPr lang="en-US" altLang="zh-TW"/>
-              <a:t>OOP</a:t>
-            </a:r>
-            <a:r>
-              <a:rPr lang="zh-TW" altLang="en-US"/>
-              <a:t> 介紹 </a:t>
+              <a:rPr lang="zh-TW" altLang="en-US"/>
+              <a:t>類別與物件 </a:t>
             </a:r>
             <a:r>
               <a:rPr lang="en-US" altLang="zh-TW"/>
@@ -5995,7 +5983,7 @@
             </a:r>
             <a:r>
               <a:rPr lang="zh-TW" altLang="en-US"/>
-              <a:t> 實用類別</a:t>
+              <a:t> 工具類別</a:t>
             </a:r>
             <a:endParaRPr lang="en-US" altLang="zh-TW"/>
           </a:p>

--- a/powerpoint/01_基本事項.pptx
+++ b/powerpoint/01_基本事項.pptx
@@ -202,7 +202,7 @@
           <a:p>
             <a:fld id="{7472AC8F-9E49-464C-9607-B43BB7648CA8}" type="datetimeFigureOut">
               <a:rPr lang="zh-TW" altLang="en-US" smtClean="0"/>
-              <a:t>2024/8/13</a:t>
+              <a:t>2024/8/14</a:t>
             </a:fld>
             <a:endParaRPr lang="zh-TW" altLang="en-US"/>
           </a:p>
@@ -5858,7 +5858,7 @@
             </a:r>
             <a:r>
               <a:rPr lang="zh-TW" altLang="en-US"/>
-              <a:t> 程式語言介紹 </a:t>
+              <a:t> 程式語言 </a:t>
             </a:r>
             <a:r>
               <a:rPr lang="en-US" altLang="zh-TW"/>
@@ -5866,7 +5866,7 @@
             </a:r>
             <a:r>
               <a:rPr lang="zh-TW" altLang="en-US"/>
-              <a:t> 編輯器介紹</a:t>
+              <a:t> 編輯器</a:t>
             </a:r>
           </a:p>
           <a:p>
@@ -5916,29 +5916,14 @@
               <a:buAutoNum type="arabicPeriod"/>
             </a:pPr>
             <a:r>
-              <a:rPr lang="zh-TW" altLang="en-US"/>
-              <a:t>類別與物件 </a:t>
-            </a:r>
-            <a:r>
-              <a:rPr lang="en-US" altLang="zh-TW"/>
-              <a:t>+</a:t>
-            </a:r>
-            <a:r>
-              <a:rPr lang="zh-TW" altLang="en-US"/>
-              <a:t> </a:t>
-            </a:r>
-            <a:r>
               <a:rPr lang="en-US" altLang="zh-TW"/>
               <a:t>Java:</a:t>
             </a:r>
             <a:r>
               <a:rPr lang="zh-TW" altLang="en-US"/>
-              <a:t> </a:t>
-            </a:r>
-            <a:r>
-              <a:rPr lang="en-US" altLang="zh-TW"/>
-              <a:t>Class</a:t>
-            </a:r>
+              <a:t> 類別與物件</a:t>
+            </a:r>
+            <a:endParaRPr lang="en-US" altLang="zh-TW"/>
           </a:p>
           <a:p>
             <a:pPr marL="514350" indent="-514350">
@@ -5951,31 +5936,7 @@
             </a:r>
             <a:r>
               <a:rPr lang="zh-TW" altLang="en-US"/>
-              <a:t> </a:t>
-            </a:r>
-            <a:r>
-              <a:rPr lang="en-US" altLang="zh-TW"/>
-              <a:t>Interface</a:t>
-            </a:r>
-            <a:r>
-              <a:rPr lang="zh-TW" altLang="en-US"/>
-              <a:t> </a:t>
-            </a:r>
-            <a:r>
-              <a:rPr lang="en-US" altLang="zh-TW"/>
-              <a:t>+</a:t>
-            </a:r>
-            <a:r>
-              <a:rPr lang="zh-TW" altLang="en-US"/>
-              <a:t> </a:t>
-            </a:r>
-            <a:r>
-              <a:rPr lang="en-US" altLang="zh-TW"/>
-              <a:t>Collection</a:t>
-            </a:r>
-            <a:r>
-              <a:rPr lang="zh-TW" altLang="en-US"/>
-              <a:t> </a:t>
+              <a:t> 介面 </a:t>
             </a:r>
             <a:r>
               <a:rPr lang="en-US" altLang="zh-TW"/>
@@ -6030,12 +5991,9 @@
             </a:r>
             <a:r>
               <a:rPr lang="zh-TW" altLang="en-US"/>
-              <a:t> </a:t>
-            </a:r>
-            <a:r>
-              <a:rPr lang="en-US" altLang="zh-TW"/>
-              <a:t>package</a:t>
-            </a:r>
+              <a:t> 套件</a:t>
+            </a:r>
+            <a:endParaRPr lang="en-US" altLang="zh-TW"/>
           </a:p>
           <a:p>
             <a:pPr marL="514350" indent="-514350">
@@ -6048,31 +6006,7 @@
             </a:r>
             <a:r>
               <a:rPr lang="zh-TW" altLang="en-US"/>
-              <a:t> </a:t>
-            </a:r>
-            <a:r>
-              <a:rPr lang="en-US" altLang="zh-TW"/>
-              <a:t>try-catch</a:t>
-            </a:r>
-            <a:r>
-              <a:rPr lang="zh-TW" altLang="en-US"/>
-              <a:t> </a:t>
-            </a:r>
-            <a:r>
-              <a:rPr lang="en-US" altLang="zh-TW"/>
-              <a:t>+</a:t>
-            </a:r>
-            <a:r>
-              <a:rPr lang="zh-TW" altLang="en-US"/>
-              <a:t> </a:t>
-            </a:r>
-            <a:r>
-              <a:rPr lang="en-US" altLang="zh-TW"/>
-              <a:t>Exception</a:t>
-            </a:r>
-            <a:r>
-              <a:rPr lang="zh-TW" altLang="en-US"/>
-              <a:t> </a:t>
+              <a:t> 例外處理 </a:t>
             </a:r>
             <a:r>
               <a:rPr lang="en-US" altLang="zh-TW"/>
@@ -6187,43 +6121,11 @@
             </a:pPr>
             <a:r>
               <a:rPr lang="en-US" altLang="zh-TW"/>
-              <a:t>JRE</a:t>
-            </a:r>
-            <a:r>
-              <a:rPr lang="zh-TW" altLang="en-US"/>
-              <a:t> </a:t>
-            </a:r>
-            <a:r>
-              <a:rPr lang="en-US" altLang="zh-TW"/>
-              <a:t>/</a:t>
-            </a:r>
-            <a:r>
-              <a:rPr lang="zh-TW" altLang="en-US"/>
-              <a:t> </a:t>
-            </a:r>
-            <a:r>
-              <a:rPr lang="en-US" altLang="zh-TW"/>
-              <a:t>JDK</a:t>
-            </a:r>
-            <a:r>
-              <a:rPr lang="zh-TW" altLang="en-US"/>
-              <a:t> </a:t>
-            </a:r>
-            <a:r>
-              <a:rPr lang="en-US" altLang="zh-TW"/>
-              <a:t>+</a:t>
-            </a:r>
-            <a:r>
-              <a:rPr lang="zh-TW" altLang="en-US"/>
-              <a:t> </a:t>
-            </a:r>
-            <a:r>
-              <a:rPr lang="en-US" altLang="zh-TW"/>
               <a:t>Java</a:t>
             </a:r>
             <a:r>
               <a:rPr lang="zh-TW" altLang="en-US"/>
-              <a:t> 虛擬機介紹</a:t>
+              <a:t> 虛擬機</a:t>
             </a:r>
           </a:p>
           <a:p>

--- a/powerpoint/01_基本事項.pptx
+++ b/powerpoint/01_基本事項.pptx
@@ -202,7 +202,7 @@
           <a:p>
             <a:fld id="{7472AC8F-9E49-464C-9607-B43BB7648CA8}" type="datetimeFigureOut">
               <a:rPr lang="zh-TW" altLang="en-US" smtClean="0"/>
-              <a:t>2024/8/14</a:t>
+              <a:t>2024/8/18</a:t>
             </a:fld>
             <a:endParaRPr lang="zh-TW" altLang="en-US"/>
           </a:p>
@@ -5921,7 +5921,15 @@
             </a:r>
             <a:r>
               <a:rPr lang="zh-TW" altLang="en-US"/>
-              <a:t> 類別與物件</a:t>
+              <a:t> 類別與物件 </a:t>
+            </a:r>
+            <a:r>
+              <a:rPr lang="en-US" altLang="zh-TW"/>
+              <a:t>+ Java:</a:t>
+            </a:r>
+            <a:r>
+              <a:rPr lang="zh-TW" altLang="en-US"/>
+              <a:t> 套件</a:t>
             </a:r>
             <a:endParaRPr lang="en-US" altLang="zh-TW"/>
           </a:p>
@@ -5944,7 +5952,15 @@
             </a:r>
             <a:r>
               <a:rPr lang="zh-TW" altLang="en-US"/>
-              <a:t> 工具類別</a:t>
+              <a:t> 工具類別 </a:t>
+            </a:r>
+            <a:r>
+              <a:rPr lang="en-US" altLang="zh-TW"/>
+              <a:t>+ </a:t>
+            </a:r>
+            <a:r>
+              <a:rPr lang="zh-TW" altLang="en-US"/>
+              <a:t>泛型</a:t>
             </a:r>
             <a:endParaRPr lang="en-US" altLang="zh-TW"/>
           </a:p>
@@ -5973,27 +5989,6 @@
               <a:rPr lang="en-US" altLang="zh-TW"/>
               <a:t>Github</a:t>
             </a:r>
-            <a:r>
-              <a:rPr lang="zh-TW" altLang="en-US"/>
-              <a:t> </a:t>
-            </a:r>
-            <a:r>
-              <a:rPr lang="en-US" altLang="zh-TW"/>
-              <a:t>+</a:t>
-            </a:r>
-            <a:r>
-              <a:rPr lang="zh-TW" altLang="en-US"/>
-              <a:t> </a:t>
-            </a:r>
-            <a:r>
-              <a:rPr lang="en-US" altLang="zh-TW"/>
-              <a:t>Java:</a:t>
-            </a:r>
-            <a:r>
-              <a:rPr lang="zh-TW" altLang="en-US"/>
-              <a:t> 套件</a:t>
-            </a:r>
-            <a:endParaRPr lang="en-US" altLang="zh-TW"/>
           </a:p>
           <a:p>
             <a:pPr marL="514350" indent="-514350">

--- a/powerpoint/01_基本事項.pptx
+++ b/powerpoint/01_基本事項.pptx
@@ -5925,11 +5925,11 @@
             </a:r>
             <a:r>
               <a:rPr lang="en-US" altLang="zh-TW"/>
-              <a:t>+ Java:</a:t>
-            </a:r>
-            <a:r>
-              <a:rPr lang="zh-TW" altLang="en-US"/>
-              <a:t> 套件</a:t>
+              <a:t>+ </a:t>
+            </a:r>
+            <a:r>
+              <a:rPr lang="zh-TW" altLang="en-US"/>
+              <a:t>套件</a:t>
             </a:r>
             <a:endParaRPr lang="en-US" altLang="zh-TW"/>
           </a:p>
@@ -5944,15 +5944,7 @@
             </a:r>
             <a:r>
               <a:rPr lang="zh-TW" altLang="en-US"/>
-              <a:t> 介面 </a:t>
-            </a:r>
-            <a:r>
-              <a:rPr lang="en-US" altLang="zh-TW"/>
-              <a:t>+</a:t>
-            </a:r>
-            <a:r>
-              <a:rPr lang="zh-TW" altLang="en-US"/>
-              <a:t> 工具類別 </a:t>
+              <a:t> 包裝類別 </a:t>
             </a:r>
             <a:r>
               <a:rPr lang="en-US" altLang="zh-TW"/>
@@ -5960,9 +5952,12 @@
             </a:r>
             <a:r>
               <a:rPr lang="zh-TW" altLang="en-US"/>
-              <a:t>泛型</a:t>
-            </a:r>
-            <a:endParaRPr lang="en-US" altLang="zh-TW"/>
+              <a:t>工具類別</a:t>
+            </a:r>
+            <a:r>
+              <a:rPr lang="en-US" altLang="zh-TW"/>
+              <a:t>(1)</a:t>
+            </a:r>
           </a:p>
           <a:p>
             <a:pPr marL="514350" indent="-514350">
@@ -5971,11 +5966,11 @@
             </a:pPr>
             <a:r>
               <a:rPr lang="en-US" altLang="zh-TW"/>
-              <a:t>Git</a:t>
-            </a:r>
-            <a:r>
-              <a:rPr lang="zh-TW" altLang="en-US"/>
-              <a:t> </a:t>
+              <a:t>Java:</a:t>
+            </a:r>
+            <a:r>
+              <a:rPr lang="zh-TW" altLang="en-US"/>
+              <a:t> 泛型 </a:t>
             </a:r>
             <a:r>
               <a:rPr lang="en-US" altLang="zh-TW"/>
@@ -5983,11 +5978,19 @@
             </a:r>
             <a:r>
               <a:rPr lang="zh-TW" altLang="en-US"/>
-              <a:t> </a:t>
+              <a:t> 介面 </a:t>
             </a:r>
             <a:r>
               <a:rPr lang="en-US" altLang="zh-TW"/>
-              <a:t>Github</a:t>
+              <a:t>+</a:t>
+            </a:r>
+            <a:r>
+              <a:rPr lang="zh-TW" altLang="en-US"/>
+              <a:t> 工具類別</a:t>
+            </a:r>
+            <a:r>
+              <a:rPr lang="en-US" altLang="zh-TW"/>
+              <a:t>(2)</a:t>
             </a:r>
           </a:p>
           <a:p>
@@ -6122,6 +6125,7 @@
               <a:rPr lang="zh-TW" altLang="en-US"/>
               <a:t> 虛擬機</a:t>
             </a:r>
+            <a:endParaRPr lang="en-US" altLang="zh-TW"/>
           </a:p>
           <a:p>
             <a:pPr marL="514350" indent="-514350">
@@ -6161,8 +6165,13 @@
             </a:r>
             <a:r>
               <a:rPr lang="zh-TW" altLang="en-US"/>
-              <a:t> 串流</a:t>
-            </a:r>
+              <a:t> 串流 </a:t>
+            </a:r>
+            <a:r>
+              <a:rPr lang="en-US" altLang="zh-TW"/>
+              <a:t>+ Maven</a:t>
+            </a:r>
+            <a:endParaRPr lang="zh-TW" altLang="en-US"/>
           </a:p>
           <a:p>
             <a:pPr marL="514350" indent="-514350">
@@ -6171,15 +6180,7 @@
             </a:pPr>
             <a:r>
               <a:rPr lang="en-US" altLang="zh-TW"/>
-              <a:t>Java:</a:t>
-            </a:r>
-            <a:r>
-              <a:rPr lang="zh-TW" altLang="en-US"/>
-              <a:t> </a:t>
-            </a:r>
-            <a:r>
-              <a:rPr lang="en-US" altLang="zh-TW"/>
-              <a:t>Maven</a:t>
+              <a:t>Git</a:t>
             </a:r>
             <a:r>
               <a:rPr lang="zh-TW" altLang="en-US"/>
@@ -6188,6 +6189,14 @@
             <a:r>
               <a:rPr lang="en-US" altLang="zh-TW"/>
               <a:t>+</a:t>
+            </a:r>
+            <a:r>
+              <a:rPr lang="zh-TW" altLang="en-US"/>
+              <a:t> </a:t>
+            </a:r>
+            <a:r>
+              <a:rPr lang="en-US" altLang="zh-TW"/>
+              <a:t>Github +</a:t>
             </a:r>
             <a:r>
               <a:rPr lang="zh-TW" altLang="en-US"/>

--- a/powerpoint/01_基本事項.pptx
+++ b/powerpoint/01_基本事項.pptx
@@ -202,7 +202,7 @@
           <a:p>
             <a:fld id="{7472AC8F-9E49-464C-9607-B43BB7648CA8}" type="datetimeFigureOut">
               <a:rPr lang="zh-TW" altLang="en-US" smtClean="0"/>
-              <a:t>2024/8/18</a:t>
+              <a:t>2024/8/24</a:t>
             </a:fld>
             <a:endParaRPr lang="zh-TW" altLang="en-US"/>
           </a:p>
@@ -5666,7 +5666,7 @@
           <a:p>
             <a:r>
               <a:rPr lang="zh-TW" altLang="en-US" sz="3200"/>
-              <a:t>指導老師：楊老師椀婷</a:t>
+              <a:t>指導老師：吳老師佳憲</a:t>
             </a:r>
           </a:p>
         </p:txBody>

--- a/powerpoint/01_基本事項.pptx
+++ b/powerpoint/01_基本事項.pptx
@@ -202,7 +202,7 @@
           <a:p>
             <a:fld id="{7472AC8F-9E49-464C-9607-B43BB7648CA8}" type="datetimeFigureOut">
               <a:rPr lang="zh-TW" altLang="en-US" smtClean="0"/>
-              <a:t>2024/8/24</a:t>
+              <a:t>2024/8/26</a:t>
             </a:fld>
             <a:endParaRPr lang="zh-TW" altLang="en-US"/>
           </a:p>
@@ -5880,13 +5880,8 @@
             </a:r>
             <a:r>
               <a:rPr lang="zh-TW" altLang="en-US"/>
-              <a:t> 基礎語法 </a:t>
-            </a:r>
-            <a:r>
-              <a:rPr lang="en-US" altLang="zh-TW"/>
-              <a:t>+ IntelliJ IDEA</a:t>
-            </a:r>
-            <a:endParaRPr lang="zh-TW" altLang="en-US"/>
+              <a:t> 基礎語法</a:t>
+            </a:r>
           </a:p>
           <a:p>
             <a:pPr marL="514350" indent="-514350">
@@ -5895,19 +5890,19 @@
             </a:pPr>
             <a:r>
               <a:rPr lang="en-US" altLang="zh-TW"/>
+              <a:t>IntelliJ IDEA +</a:t>
+            </a:r>
+            <a:r>
+              <a:rPr lang="zh-TW" altLang="en-US"/>
+              <a:t> </a:t>
+            </a:r>
+            <a:r>
+              <a:rPr lang="en-US" altLang="zh-TW"/>
               <a:t>Java:</a:t>
             </a:r>
             <a:r>
               <a:rPr lang="zh-TW" altLang="en-US"/>
-              <a:t> 流程控制 </a:t>
-            </a:r>
-            <a:r>
-              <a:rPr lang="en-US" altLang="zh-TW"/>
-              <a:t>+</a:t>
-            </a:r>
-            <a:r>
-              <a:rPr lang="zh-TW" altLang="en-US"/>
-              <a:t> 靜態成員</a:t>
+              <a:t> 流程控制</a:t>
             </a:r>
           </a:p>
           <a:p>
@@ -5921,15 +5916,15 @@
             </a:r>
             <a:r>
               <a:rPr lang="zh-TW" altLang="en-US"/>
-              <a:t> 類別與物件 </a:t>
+              <a:t> 靜態成員 </a:t>
             </a:r>
             <a:r>
               <a:rPr lang="en-US" altLang="zh-TW"/>
-              <a:t>+ </a:t>
-            </a:r>
-            <a:r>
-              <a:rPr lang="zh-TW" altLang="en-US"/>
-              <a:t>套件</a:t>
+              <a:t>+</a:t>
+            </a:r>
+            <a:r>
+              <a:rPr lang="zh-TW" altLang="en-US"/>
+              <a:t> 類別與物件</a:t>
             </a:r>
             <a:endParaRPr lang="en-US" altLang="zh-TW"/>
           </a:p>
@@ -5944,6 +5939,14 @@
             </a:r>
             <a:r>
               <a:rPr lang="zh-TW" altLang="en-US"/>
+              <a:t> 套件 </a:t>
+            </a:r>
+            <a:r>
+              <a:rPr lang="en-US" altLang="zh-TW"/>
+              <a:t>+</a:t>
+            </a:r>
+            <a:r>
+              <a:rPr lang="zh-TW" altLang="en-US"/>
               <a:t> 包裝類別 </a:t>
             </a:r>
             <a:r>
@@ -5958,6 +5961,19 @@
               <a:rPr lang="en-US" altLang="zh-TW"/>
               <a:t>(1)</a:t>
             </a:r>
+            <a:r>
+              <a:rPr lang="zh-TW" altLang="en-US"/>
+              <a:t> </a:t>
+            </a:r>
+            <a:r>
+              <a:rPr lang="en-US" altLang="zh-TW"/>
+              <a:t>+</a:t>
+            </a:r>
+            <a:r>
+              <a:rPr lang="zh-TW" altLang="en-US"/>
+              <a:t> 介面</a:t>
+            </a:r>
+            <a:endParaRPr lang="en-US" altLang="zh-TW"/>
           </a:p>
           <a:p>
             <a:pPr marL="514350" indent="-514350">
@@ -5978,14 +5994,6 @@
             </a:r>
             <a:r>
               <a:rPr lang="zh-TW" altLang="en-US"/>
-              <a:t> 介面 </a:t>
-            </a:r>
-            <a:r>
-              <a:rPr lang="en-US" altLang="zh-TW"/>
-              <a:t>+</a:t>
-            </a:r>
-            <a:r>
-              <a:rPr lang="zh-TW" altLang="en-US"/>
               <a:t> 工具類別</a:t>
             </a:r>
             <a:r>
@@ -6000,11 +6008,19 @@
             </a:pPr>
             <a:r>
               <a:rPr lang="en-US" altLang="zh-TW"/>
-              <a:t>Java:</a:t>
-            </a:r>
-            <a:r>
-              <a:rPr lang="zh-TW" altLang="en-US"/>
-              <a:t> 例外處理 </a:t>
+              <a:t>(Java:</a:t>
+            </a:r>
+            <a:r>
+              <a:rPr lang="zh-TW" altLang="en-US"/>
+              <a:t> 例外處理</a:t>
+            </a:r>
+            <a:r>
+              <a:rPr lang="en-US" altLang="zh-TW"/>
+              <a:t>)</a:t>
+            </a:r>
+            <a:r>
+              <a:rPr lang="zh-TW" altLang="en-US"/>
+              <a:t> </a:t>
             </a:r>
             <a:r>
               <a:rPr lang="en-US" altLang="zh-TW"/>
@@ -6119,13 +6135,16 @@
             </a:pPr>
             <a:r>
               <a:rPr lang="en-US" altLang="zh-TW"/>
-              <a:t>Java</a:t>
+              <a:t>(Java</a:t>
             </a:r>
             <a:r>
               <a:rPr lang="zh-TW" altLang="en-US"/>
               <a:t> 虛擬機</a:t>
             </a:r>
-            <a:endParaRPr lang="en-US" altLang="zh-TW"/>
+            <a:r>
+              <a:rPr lang="en-US" altLang="zh-TW"/>
+              <a:t>)</a:t>
+            </a:r>
           </a:p>
           <a:p>
             <a:pPr marL="514350" indent="-514350">
@@ -6133,10 +6152,17 @@
               <a:buAutoNum type="arabicPeriod"/>
             </a:pPr>
             <a:r>
+              <a:rPr lang="en-US" altLang="zh-TW"/>
+              <a:t>(</a:t>
+            </a:r>
+            <a:r>
               <a:rPr lang="zh-TW" altLang="en-US"/>
               <a:t>電腦結構</a:t>
             </a:r>
-            <a:endParaRPr lang="en-US" altLang="zh-TW"/>
+            <a:r>
+              <a:rPr lang="en-US" altLang="zh-TW"/>
+              <a:t>)</a:t>
+            </a:r>
           </a:p>
           <a:p>
             <a:pPr marL="514350" indent="-514350">
@@ -6153,7 +6179,7 @@
             </a:r>
             <a:r>
               <a:rPr lang="en-US" altLang="zh-TW"/>
-              <a:t>Lambda</a:t>
+              <a:t>Maven</a:t>
             </a:r>
             <a:r>
               <a:rPr lang="zh-TW" altLang="en-US"/>
@@ -6165,11 +6191,11 @@
             </a:r>
             <a:r>
               <a:rPr lang="zh-TW" altLang="en-US"/>
-              <a:t> 串流 </a:t>
+              <a:t> </a:t>
             </a:r>
             <a:r>
               <a:rPr lang="en-US" altLang="zh-TW"/>
-              <a:t>+ Maven</a:t>
+              <a:t>Gradle</a:t>
             </a:r>
             <a:endParaRPr lang="zh-TW" altLang="en-US"/>
           </a:p>

--- a/powerpoint/01_基本事項.pptx
+++ b/powerpoint/01_基本事項.pptx
@@ -2,7 +2,7 @@
 <file path=ppt/presentation.xml><?xml version="1.0" encoding="utf-8"?>
 <p:presentation xmlns:a="http://schemas.openxmlformats.org/drawingml/2006/main" xmlns:r="http://schemas.openxmlformats.org/officeDocument/2006/relationships" xmlns:p="http://schemas.openxmlformats.org/presentationml/2006/main" saveSubsetFonts="1">
   <p:sldMasterIdLst>
-    <p:sldMasterId id="2147483696" r:id="rId1"/>
+    <p:sldMasterId id="2147483708" r:id="rId1"/>
   </p:sldMasterIdLst>
   <p:notesMasterIdLst>
     <p:notesMasterId r:id="rId8"/>
@@ -202,7 +202,7 @@
           <a:p>
             <a:fld id="{7472AC8F-9E49-464C-9607-B43BB7648CA8}" type="datetimeFigureOut">
               <a:rPr lang="zh-TW" altLang="en-US" smtClean="0"/>
-              <a:t>2024/8/26</a:t>
+              <a:t>2024/8/28</a:t>
             </a:fld>
             <a:endParaRPr lang="zh-TW" altLang="en-US"/>
           </a:p>
@@ -596,13 +596,16 @@
     </p:spTree>
     <p:extLst>
       <p:ext uri="{BB962C8B-B14F-4D97-AF65-F5344CB8AC3E}">
-        <p14:creationId xmlns:p14="http://schemas.microsoft.com/office/powerpoint/2010/main" val="1603751379"/>
+        <p14:creationId xmlns:p14="http://schemas.microsoft.com/office/powerpoint/2010/main" val="913028284"/>
       </p:ext>
     </p:extLst>
   </p:cSld>
   <p:clrMapOvr>
     <a:masterClrMapping/>
   </p:clrMapOvr>
+  <p:transition spd="slow">
+    <p:push dir="u"/>
+  </p:transition>
 </p:sldLayout>
 </file>
 
@@ -837,7 +840,7 @@
             </a:r>
             <a:r>
               <a:rPr lang="zh-TW" altLang="en-US"/>
-              <a:t>桃高資訊社</a:t>
+              <a:t> 桃高資訊社</a:t>
             </a:r>
           </a:p>
         </p:txBody>
@@ -977,13 +980,16 @@
     </p:spTree>
     <p:extLst>
       <p:ext uri="{BB962C8B-B14F-4D97-AF65-F5344CB8AC3E}">
-        <p14:creationId xmlns:p14="http://schemas.microsoft.com/office/powerpoint/2010/main" val="875098384"/>
+        <p14:creationId xmlns:p14="http://schemas.microsoft.com/office/powerpoint/2010/main" val="4087222819"/>
       </p:ext>
     </p:extLst>
   </p:cSld>
   <p:clrMapOvr>
     <a:masterClrMapping/>
   </p:clrMapOvr>
+  <p:transition spd="slow">
+    <p:push dir="u"/>
+  </p:transition>
 </p:sldLayout>
 </file>
 
@@ -1228,7 +1234,7 @@
             </a:r>
             <a:r>
               <a:rPr lang="zh-TW" altLang="en-US"/>
-              <a:t>桃高資訊社</a:t>
+              <a:t> 桃高資訊社</a:t>
             </a:r>
           </a:p>
         </p:txBody>
@@ -1368,13 +1374,156 @@
     </p:spTree>
     <p:extLst>
       <p:ext uri="{BB962C8B-B14F-4D97-AF65-F5344CB8AC3E}">
-        <p14:creationId xmlns:p14="http://schemas.microsoft.com/office/powerpoint/2010/main" val="1474976340"/>
+        <p14:creationId xmlns:p14="http://schemas.microsoft.com/office/powerpoint/2010/main" val="3771899750"/>
       </p:ext>
     </p:extLst>
   </p:cSld>
   <p:clrMapOvr>
     <a:masterClrMapping/>
   </p:clrMapOvr>
+  <p:transition spd="slow">
+    <p:push dir="u"/>
+  </p:transition>
+</p:sldLayout>
+</file>
+
+<file path=ppt/slideLayouts/slideLayout12.xml><?xml version="1.0" encoding="utf-8"?>
+<p:sldLayout xmlns:a="http://schemas.openxmlformats.org/drawingml/2006/main" xmlns:r="http://schemas.openxmlformats.org/officeDocument/2006/relationships" xmlns:p="http://schemas.openxmlformats.org/presentationml/2006/main" preserve="1">
+  <p:cSld name="1_標題投影片">
+    <p:spTree>
+      <p:nvGrpSpPr>
+        <p:cNvPr id="1" name=""/>
+        <p:cNvGrpSpPr/>
+        <p:nvPr/>
+      </p:nvGrpSpPr>
+      <p:grpSpPr>
+        <a:xfrm>
+          <a:off x="0" y="0"/>
+          <a:ext cx="0" cy="0"/>
+          <a:chOff x="0" y="0"/>
+          <a:chExt cx="0" cy="0"/>
+        </a:xfrm>
+      </p:grpSpPr>
+      <p:sp>
+        <p:nvSpPr>
+          <p:cNvPr id="2" name="標題 1">
+            <a:extLst>
+              <a:ext uri="{FF2B5EF4-FFF2-40B4-BE49-F238E27FC236}">
+                <a16:creationId xmlns:a16="http://schemas.microsoft.com/office/drawing/2014/main" id="{2EB502BE-089D-4633-B90E-46A3D4FB7D4E}"/>
+              </a:ext>
+            </a:extLst>
+          </p:cNvPr>
+          <p:cNvSpPr>
+            <a:spLocks noGrp="1"/>
+          </p:cNvSpPr>
+          <p:nvPr>
+            <p:ph type="ctrTitle"/>
+          </p:nvPr>
+        </p:nvSpPr>
+        <p:spPr>
+          <a:xfrm>
+            <a:off x="1524000" y="1122363"/>
+            <a:ext cx="9144000" cy="2387600"/>
+          </a:xfrm>
+        </p:spPr>
+        <p:txBody>
+          <a:bodyPr anchor="b"/>
+          <a:lstStyle>
+            <a:lvl1pPr algn="ctr">
+              <a:defRPr sz="6000"/>
+            </a:lvl1pPr>
+          </a:lstStyle>
+          <a:p>
+            <a:r>
+              <a:rPr lang="zh-TW" altLang="en-US"/>
+              <a:t>按一下以編輯母片標題樣式</a:t>
+            </a:r>
+          </a:p>
+        </p:txBody>
+      </p:sp>
+      <p:sp>
+        <p:nvSpPr>
+          <p:cNvPr id="3" name="副標題 2">
+            <a:extLst>
+              <a:ext uri="{FF2B5EF4-FFF2-40B4-BE49-F238E27FC236}">
+                <a16:creationId xmlns:a16="http://schemas.microsoft.com/office/drawing/2014/main" id="{471674D0-0840-4D4C-93FB-3ABDEB2CAD45}"/>
+              </a:ext>
+            </a:extLst>
+          </p:cNvPr>
+          <p:cNvSpPr>
+            <a:spLocks noGrp="1"/>
+          </p:cNvSpPr>
+          <p:nvPr>
+            <p:ph type="subTitle" idx="1"/>
+          </p:nvPr>
+        </p:nvSpPr>
+        <p:spPr>
+          <a:xfrm>
+            <a:off x="1524000" y="3602038"/>
+            <a:ext cx="9144000" cy="1655762"/>
+          </a:xfrm>
+        </p:spPr>
+        <p:txBody>
+          <a:bodyPr/>
+          <a:lstStyle>
+            <a:lvl1pPr marL="0" indent="0" algn="ctr">
+              <a:buNone/>
+              <a:defRPr sz="2400"/>
+            </a:lvl1pPr>
+            <a:lvl2pPr marL="457200" indent="0" algn="ctr">
+              <a:buNone/>
+              <a:defRPr sz="2000"/>
+            </a:lvl2pPr>
+            <a:lvl3pPr marL="914400" indent="0" algn="ctr">
+              <a:buNone/>
+              <a:defRPr sz="1800"/>
+            </a:lvl3pPr>
+            <a:lvl4pPr marL="1371600" indent="0" algn="ctr">
+              <a:buNone/>
+              <a:defRPr sz="1600"/>
+            </a:lvl4pPr>
+            <a:lvl5pPr marL="1828800" indent="0" algn="ctr">
+              <a:buNone/>
+              <a:defRPr sz="1600"/>
+            </a:lvl5pPr>
+            <a:lvl6pPr marL="2286000" indent="0" algn="ctr">
+              <a:buNone/>
+              <a:defRPr sz="1600"/>
+            </a:lvl6pPr>
+            <a:lvl7pPr marL="2743200" indent="0" algn="ctr">
+              <a:buNone/>
+              <a:defRPr sz="1600"/>
+            </a:lvl7pPr>
+            <a:lvl8pPr marL="3200400" indent="0" algn="ctr">
+              <a:buNone/>
+              <a:defRPr sz="1600"/>
+            </a:lvl8pPr>
+            <a:lvl9pPr marL="3657600" indent="0" algn="ctr">
+              <a:buNone/>
+              <a:defRPr sz="1600"/>
+            </a:lvl9pPr>
+          </a:lstStyle>
+          <a:p>
+            <a:r>
+              <a:rPr lang="zh-TW" altLang="en-US"/>
+              <a:t>按一下以編輯母片子標題樣式</a:t>
+            </a:r>
+          </a:p>
+        </p:txBody>
+      </p:sp>
+    </p:spTree>
+    <p:extLst>
+      <p:ext uri="{BB962C8B-B14F-4D97-AF65-F5344CB8AC3E}">
+        <p14:creationId xmlns:p14="http://schemas.microsoft.com/office/powerpoint/2010/main" val="3467148758"/>
+      </p:ext>
+    </p:extLst>
+  </p:cSld>
+  <p:clrMapOvr>
+    <a:masterClrMapping/>
+  </p:clrMapOvr>
+  <p:transition spd="slow">
+    <p:push dir="u"/>
+  </p:transition>
 </p:sldLayout>
 </file>
 
@@ -1609,7 +1758,7 @@
             </a:r>
             <a:r>
               <a:rPr lang="zh-TW" altLang="en-US"/>
-              <a:t>桃高資訊社</a:t>
+              <a:t> 桃高資訊社</a:t>
             </a:r>
           </a:p>
         </p:txBody>
@@ -1749,13 +1898,16 @@
     </p:spTree>
     <p:extLst>
       <p:ext uri="{BB962C8B-B14F-4D97-AF65-F5344CB8AC3E}">
-        <p14:creationId xmlns:p14="http://schemas.microsoft.com/office/powerpoint/2010/main" val="2020449698"/>
+        <p14:creationId xmlns:p14="http://schemas.microsoft.com/office/powerpoint/2010/main" val="1480594768"/>
       </p:ext>
     </p:extLst>
   </p:cSld>
   <p:clrMapOvr>
     <a:masterClrMapping/>
   </p:clrMapOvr>
+  <p:transition spd="slow">
+    <p:push dir="u"/>
+  </p:transition>
 </p:sldLayout>
 </file>
 
@@ -2067,7 +2219,7 @@
             </a:r>
             <a:r>
               <a:rPr lang="zh-TW" altLang="en-US"/>
-              <a:t>桃高資訊社</a:t>
+              <a:t> 桃高資訊社</a:t>
             </a:r>
           </a:p>
         </p:txBody>
@@ -2207,13 +2359,16 @@
     </p:spTree>
     <p:extLst>
       <p:ext uri="{BB962C8B-B14F-4D97-AF65-F5344CB8AC3E}">
-        <p14:creationId xmlns:p14="http://schemas.microsoft.com/office/powerpoint/2010/main" val="3748381938"/>
+        <p14:creationId xmlns:p14="http://schemas.microsoft.com/office/powerpoint/2010/main" val="4120775362"/>
       </p:ext>
     </p:extLst>
   </p:cSld>
   <p:clrMapOvr>
     <a:masterClrMapping/>
   </p:clrMapOvr>
+  <p:transition spd="slow">
+    <p:push dir="u"/>
+  </p:transition>
 </p:sldLayout>
 </file>
 
@@ -2515,7 +2670,7 @@
             </a:r>
             <a:r>
               <a:rPr lang="zh-TW" altLang="en-US"/>
-              <a:t>桃高資訊社</a:t>
+              <a:t> 桃高資訊社</a:t>
             </a:r>
           </a:p>
         </p:txBody>
@@ -2655,13 +2810,16 @@
     </p:spTree>
     <p:extLst>
       <p:ext uri="{BB962C8B-B14F-4D97-AF65-F5344CB8AC3E}">
-        <p14:creationId xmlns:p14="http://schemas.microsoft.com/office/powerpoint/2010/main" val="1890606006"/>
+        <p14:creationId xmlns:p14="http://schemas.microsoft.com/office/powerpoint/2010/main" val="1702901292"/>
       </p:ext>
     </p:extLst>
   </p:cSld>
   <p:clrMapOvr>
     <a:masterClrMapping/>
   </p:clrMapOvr>
+  <p:transition spd="slow">
+    <p:push dir="u"/>
+  </p:transition>
 </p:sldLayout>
 </file>
 
@@ -3110,7 +3268,7 @@
             </a:r>
             <a:r>
               <a:rPr lang="zh-TW" altLang="en-US"/>
-              <a:t>桃高資訊社</a:t>
+              <a:t> 桃高資訊社</a:t>
             </a:r>
           </a:p>
         </p:txBody>
@@ -3250,13 +3408,16 @@
     </p:spTree>
     <p:extLst>
       <p:ext uri="{BB962C8B-B14F-4D97-AF65-F5344CB8AC3E}">
-        <p14:creationId xmlns:p14="http://schemas.microsoft.com/office/powerpoint/2010/main" val="3458650390"/>
+        <p14:creationId xmlns:p14="http://schemas.microsoft.com/office/powerpoint/2010/main" val="2793398809"/>
       </p:ext>
     </p:extLst>
   </p:cSld>
   <p:clrMapOvr>
     <a:masterClrMapping/>
   </p:clrMapOvr>
+  <p:transition spd="slow">
+    <p:push dir="u"/>
+  </p:transition>
 </p:sldLayout>
 </file>
 
@@ -3434,7 +3595,7 @@
             </a:r>
             <a:r>
               <a:rPr lang="zh-TW" altLang="en-US"/>
-              <a:t>桃高資訊社</a:t>
+              <a:t> 桃高資訊社</a:t>
             </a:r>
           </a:p>
         </p:txBody>
@@ -3574,13 +3735,16 @@
     </p:spTree>
     <p:extLst>
       <p:ext uri="{BB962C8B-B14F-4D97-AF65-F5344CB8AC3E}">
-        <p14:creationId xmlns:p14="http://schemas.microsoft.com/office/powerpoint/2010/main" val="3094944391"/>
+        <p14:creationId xmlns:p14="http://schemas.microsoft.com/office/powerpoint/2010/main" val="2694506483"/>
       </p:ext>
     </p:extLst>
   </p:cSld>
   <p:clrMapOvr>
     <a:masterClrMapping/>
   </p:clrMapOvr>
+  <p:transition spd="slow">
+    <p:push dir="u"/>
+  </p:transition>
 </p:sldLayout>
 </file>
 
@@ -3730,7 +3894,7 @@
             </a:r>
             <a:r>
               <a:rPr lang="zh-TW" altLang="en-US"/>
-              <a:t>桃高資訊社</a:t>
+              <a:t> 桃高資訊社</a:t>
             </a:r>
           </a:p>
         </p:txBody>
@@ -3870,13 +4034,16 @@
     </p:spTree>
     <p:extLst>
       <p:ext uri="{BB962C8B-B14F-4D97-AF65-F5344CB8AC3E}">
-        <p14:creationId xmlns:p14="http://schemas.microsoft.com/office/powerpoint/2010/main" val="550813930"/>
+        <p14:creationId xmlns:p14="http://schemas.microsoft.com/office/powerpoint/2010/main" val="242599148"/>
       </p:ext>
     </p:extLst>
   </p:cSld>
   <p:clrMapOvr>
     <a:masterClrMapping/>
   </p:clrMapOvr>
+  <p:transition spd="slow">
+    <p:push dir="u"/>
+  </p:transition>
 </p:sldLayout>
 </file>
 
@@ -4224,7 +4391,7 @@
             </a:r>
             <a:r>
               <a:rPr lang="zh-TW" altLang="en-US"/>
-              <a:t>桃高資訊社</a:t>
+              <a:t> 桃高資訊社</a:t>
             </a:r>
           </a:p>
         </p:txBody>
@@ -4364,13 +4531,16 @@
     </p:spTree>
     <p:extLst>
       <p:ext uri="{BB962C8B-B14F-4D97-AF65-F5344CB8AC3E}">
-        <p14:creationId xmlns:p14="http://schemas.microsoft.com/office/powerpoint/2010/main" val="2339959135"/>
+        <p14:creationId xmlns:p14="http://schemas.microsoft.com/office/powerpoint/2010/main" val="2243721663"/>
       </p:ext>
     </p:extLst>
   </p:cSld>
   <p:clrMapOvr>
     <a:masterClrMapping/>
   </p:clrMapOvr>
+  <p:transition spd="slow">
+    <p:push dir="u"/>
+  </p:transition>
 </p:sldLayout>
 </file>
 
@@ -4698,7 +4868,7 @@
             </a:r>
             <a:r>
               <a:rPr lang="zh-TW" altLang="en-US"/>
-              <a:t>桃高資訊社</a:t>
+              <a:t> 桃高資訊社</a:t>
             </a:r>
           </a:p>
         </p:txBody>
@@ -4838,13 +5008,16 @@
     </p:spTree>
     <p:extLst>
       <p:ext uri="{BB962C8B-B14F-4D97-AF65-F5344CB8AC3E}">
-        <p14:creationId xmlns:p14="http://schemas.microsoft.com/office/powerpoint/2010/main" val="1447812521"/>
+        <p14:creationId xmlns:p14="http://schemas.microsoft.com/office/powerpoint/2010/main" val="2425095309"/>
       </p:ext>
     </p:extLst>
   </p:cSld>
   <p:clrMapOvr>
     <a:masterClrMapping/>
   </p:clrMapOvr>
+  <p:transition spd="slow">
+    <p:push dir="u"/>
+  </p:transition>
 </p:sldLayout>
 </file>
 
@@ -5068,24 +5241,28 @@
     </p:spTree>
     <p:extLst>
       <p:ext uri="{BB962C8B-B14F-4D97-AF65-F5344CB8AC3E}">
-        <p14:creationId xmlns:p14="http://schemas.microsoft.com/office/powerpoint/2010/main" val="2449981835"/>
+        <p14:creationId xmlns:p14="http://schemas.microsoft.com/office/powerpoint/2010/main" val="3384149024"/>
       </p:ext>
     </p:extLst>
   </p:cSld>
   <p:clrMap bg1="dk1" tx1="lt1" bg2="dk2" tx2="lt2" accent1="accent1" accent2="accent2" accent3="accent3" accent4="accent4" accent5="accent5" accent6="accent6" hlink="hlink" folHlink="folHlink"/>
   <p:sldLayoutIdLst>
-    <p:sldLayoutId id="2147483697" r:id="rId1"/>
-    <p:sldLayoutId id="2147483698" r:id="rId2"/>
-    <p:sldLayoutId id="2147483699" r:id="rId3"/>
-    <p:sldLayoutId id="2147483700" r:id="rId4"/>
-    <p:sldLayoutId id="2147483701" r:id="rId5"/>
-    <p:sldLayoutId id="2147483702" r:id="rId6"/>
-    <p:sldLayoutId id="2147483703" r:id="rId7"/>
-    <p:sldLayoutId id="2147483704" r:id="rId8"/>
-    <p:sldLayoutId id="2147483705" r:id="rId9"/>
-    <p:sldLayoutId id="2147483706" r:id="rId10"/>
-    <p:sldLayoutId id="2147483707" r:id="rId11"/>
+    <p:sldLayoutId id="2147483709" r:id="rId1"/>
+    <p:sldLayoutId id="2147483710" r:id="rId2"/>
+    <p:sldLayoutId id="2147483711" r:id="rId3"/>
+    <p:sldLayoutId id="2147483712" r:id="rId4"/>
+    <p:sldLayoutId id="2147483713" r:id="rId5"/>
+    <p:sldLayoutId id="2147483714" r:id="rId6"/>
+    <p:sldLayoutId id="2147483715" r:id="rId7"/>
+    <p:sldLayoutId id="2147483716" r:id="rId8"/>
+    <p:sldLayoutId id="2147483717" r:id="rId9"/>
+    <p:sldLayoutId id="2147483718" r:id="rId10"/>
+    <p:sldLayoutId id="2147483719" r:id="rId11"/>
+    <p:sldLayoutId id="2147483720" r:id="rId12"/>
   </p:sldLayoutIdLst>
+  <p:transition spd="slow">
+    <p:push dir="u"/>
+  </p:transition>
   <p:txStyles>
     <p:titleStyle>
       <a:lvl1pPr algn="ctr" defTabSz="914400" rtl="0" eaLnBrk="1" latinLnBrk="0" hangingPunct="1">
@@ -5402,12 +5579,7 @@
             <p:ph type="ctrTitle"/>
           </p:nvPr>
         </p:nvSpPr>
-        <p:spPr>
-          <a:xfrm>
-            <a:off x="1524000" y="1122363"/>
-            <a:ext cx="9144000" cy="2387600"/>
-          </a:xfrm>
-        </p:spPr>
+        <p:spPr/>
         <p:txBody>
           <a:bodyPr/>
           <a:lstStyle/>
@@ -5435,12 +5607,7 @@
             <p:ph type="subTitle" idx="1"/>
           </p:nvPr>
         </p:nvSpPr>
-        <p:spPr>
-          <a:xfrm>
-            <a:off x="1524000" y="3602038"/>
-            <a:ext cx="9144000" cy="1655762"/>
-          </a:xfrm>
-        </p:spPr>
+        <p:spPr/>
         <p:txBody>
           <a:bodyPr/>
           <a:lstStyle/>
@@ -5451,7 +5618,7 @@
             </a:r>
             <a:r>
               <a:rPr lang="zh-TW" altLang="en-US"/>
-              <a:t>桃高資訊社</a:t>
+              <a:t> 桃高資訊社</a:t>
             </a:r>
           </a:p>
         </p:txBody>
@@ -5767,6 +5934,9 @@
   <p:clrMapOvr>
     <a:masterClrMapping/>
   </p:clrMapOvr>
+  <p:transition spd="slow">
+    <p:push dir="u"/>
+  </p:transition>
 </p:sld>
 </file>
 
@@ -6052,6 +6222,9 @@
   <p:clrMapOvr>
     <a:masterClrMapping/>
   </p:clrMapOvr>
+  <p:transition spd="slow">
+    <p:push dir="u"/>
+  </p:transition>
 </p:sld>
 </file>
 
@@ -6300,6 +6473,9 @@
   <p:clrMapOvr>
     <a:masterClrMapping/>
   </p:clrMapOvr>
+  <p:transition spd="slow">
+    <p:push dir="u"/>
+  </p:transition>
 </p:sld>
 </file>
 
@@ -6524,7 +6700,7 @@
   <a:extraClrSchemeLst/>
   <a:extLst>
     <a:ext uri="{05A4C25C-085E-4340-85A3-A5531E510DB2}">
-      <thm15:themeFamily xmlns:thm15="http://schemas.microsoft.com/office/thememl/2012/main" name="TYIC" id="{12E5EBF5-EAA2-4FAB-A3C0-6E914B17EAE8}" vid="{2D8CCBD1-B73A-4486-8538-2045EDEC7421}"/>
+      <thm15:themeFamily xmlns:thm15="http://schemas.microsoft.com/office/thememl/2012/main" name="TYIC" id="{9EF84239-98DD-47C7-9670-9A8E11832DF8}" vid="{53C94661-BF81-402B-98E3-49232B063EDD}"/>
     </a:ext>
   </a:extLst>
 </a:theme>
